--- a/Docu/docu1.pptx
+++ b/Docu/docu1.pptx
@@ -129,6 +129,74 @@
 </p:presentation>
 </file>
 
+<file path=ppt/revisionInfo.xml><?xml version="1.0" encoding="utf-8"?>
+<p1510:revInfo xmlns:a="http://schemas.openxmlformats.org/drawingml/2006/main" xmlns:r="http://schemas.openxmlformats.org/officeDocument/2006/relationships" xmlns:p1510="http://schemas.microsoft.com/office/powerpoint/2015/10/main">
+  <p1510:revLst>
+    <p1510:client id="{6F2C073A-3D9D-488A-8695-30142034A97D}" v="645" dt="2019-06-07T04:51:28.401"/>
+  </p1510:revLst>
+</p1510:revInfo>
+</file>
+
+<file path=ppt/changesInfos/changesInfo1.xml><?xml version="1.0" encoding="utf-8"?>
+<pc:chgInfo xmlns:a="http://schemas.openxmlformats.org/drawingml/2006/main" xmlns:r="http://schemas.openxmlformats.org/officeDocument/2006/relationships" xmlns:ac="http://schemas.microsoft.com/office/drawing/2013/main/command" xmlns:pc="http://schemas.microsoft.com/office/powerpoint/2013/main/command">
+  <pc:docChgLst>
+    <pc:chgData name="Yarithza Hasbleidy Galindo Ayala" userId="81d3b4e3-e252-4d52-8b97-5ee33ca8cec6" providerId="ADAL" clId="{6F2C073A-3D9D-488A-8695-30142034A97D}"/>
+    <pc:docChg chg="undo custSel modSld">
+      <pc:chgData name="Yarithza Hasbleidy Galindo Ayala" userId="81d3b4e3-e252-4d52-8b97-5ee33ca8cec6" providerId="ADAL" clId="{6F2C073A-3D9D-488A-8695-30142034A97D}" dt="2019-06-07T04:51:28.401" v="644" actId="313"/>
+      <pc:docMkLst>
+        <pc:docMk/>
+      </pc:docMkLst>
+      <pc:sldChg chg="addSp modSp">
+        <pc:chgData name="Yarithza Hasbleidy Galindo Ayala" userId="81d3b4e3-e252-4d52-8b97-5ee33ca8cec6" providerId="ADAL" clId="{6F2C073A-3D9D-488A-8695-30142034A97D}" dt="2019-06-07T04:51:28.401" v="644" actId="313"/>
+        <pc:sldMkLst>
+          <pc:docMk/>
+          <pc:sldMk cId="860217930" sldId="258"/>
+        </pc:sldMkLst>
+        <pc:spChg chg="mod">
+          <ac:chgData name="Yarithza Hasbleidy Galindo Ayala" userId="81d3b4e3-e252-4d52-8b97-5ee33ca8cec6" providerId="ADAL" clId="{6F2C073A-3D9D-488A-8695-30142034A97D}" dt="2019-06-07T04:51:28.401" v="644" actId="313"/>
+          <ac:spMkLst>
+            <pc:docMk/>
+            <pc:sldMk cId="860217930" sldId="258"/>
+            <ac:spMk id="2" creationId="{00000000-0000-0000-0000-000000000000}"/>
+          </ac:spMkLst>
+        </pc:spChg>
+        <pc:spChg chg="add mod">
+          <ac:chgData name="Yarithza Hasbleidy Galindo Ayala" userId="81d3b4e3-e252-4d52-8b97-5ee33ca8cec6" providerId="ADAL" clId="{6F2C073A-3D9D-488A-8695-30142034A97D}" dt="2019-06-07T04:44:58.904" v="34" actId="313"/>
+          <ac:spMkLst>
+            <pc:docMk/>
+            <pc:sldMk cId="860217930" sldId="258"/>
+            <ac:spMk id="5" creationId="{50D92A25-BA2C-40CE-A524-F98059E627CC}"/>
+          </ac:spMkLst>
+        </pc:spChg>
+        <pc:picChg chg="mod">
+          <ac:chgData name="Yarithza Hasbleidy Galindo Ayala" userId="81d3b4e3-e252-4d52-8b97-5ee33ca8cec6" providerId="ADAL" clId="{6F2C073A-3D9D-488A-8695-30142034A97D}" dt="2019-06-07T04:44:43.211" v="28" actId="1076"/>
+          <ac:picMkLst>
+            <pc:docMk/>
+            <pc:sldMk cId="860217930" sldId="258"/>
+            <ac:picMk id="4" creationId="{79DE81F0-0ACA-4C7D-BFD2-1F7646C80DDA}"/>
+          </ac:picMkLst>
+        </pc:picChg>
+      </pc:sldChg>
+      <pc:sldChg chg="modSp">
+        <pc:chgData name="Yarithza Hasbleidy Galindo Ayala" userId="81d3b4e3-e252-4d52-8b97-5ee33ca8cec6" providerId="ADAL" clId="{6F2C073A-3D9D-488A-8695-30142034A97D}" dt="2019-06-07T04:51:16.169" v="643" actId="20577"/>
+        <pc:sldMkLst>
+          <pc:docMk/>
+          <pc:sldMk cId="2819536917" sldId="260"/>
+        </pc:sldMkLst>
+        <pc:spChg chg="mod">
+          <ac:chgData name="Yarithza Hasbleidy Galindo Ayala" userId="81d3b4e3-e252-4d52-8b97-5ee33ca8cec6" providerId="ADAL" clId="{6F2C073A-3D9D-488A-8695-30142034A97D}" dt="2019-06-07T04:51:16.169" v="643" actId="20577"/>
+          <ac:spMkLst>
+            <pc:docMk/>
+            <pc:sldMk cId="2819536917" sldId="260"/>
+            <ac:spMk id="2" creationId="{00000000-0000-0000-0000-000000000000}"/>
+          </ac:spMkLst>
+        </pc:spChg>
+      </pc:sldChg>
+    </pc:docChg>
+  </pc:docChgLst>
+</pc:chgInfo>
+</file>
+
 <file path=ppt/notesMasters/notesMaster1.xml><?xml version="1.0" encoding="utf-8"?>
 <p:notesMaster xmlns:a="http://schemas.openxmlformats.org/drawingml/2006/main" xmlns:r="http://schemas.openxmlformats.org/officeDocument/2006/relationships" xmlns:p="http://schemas.openxmlformats.org/presentationml/2006/main">
   <p:cSld>
@@ -212,7 +280,7 @@
             <a:fld id="{AC3C433B-509E-4DC7-B214-CED01993DB01}" type="datetimeFigureOut">
               <a:rPr lang="es-CO" smtClean="0"/>
               <a:pPr/>
-              <a:t>2/05/2019</a:t>
+              <a:t>6/06/2019</a:t>
             </a:fld>
             <a:endParaRPr lang="es-CO" dirty="0"/>
           </a:p>
@@ -666,7 +734,7 @@
           <a:p>
             <a:fld id="{8D87B5C2-953C-48F4-8036-8149E321EBE7}" type="datetime1">
               <a:rPr lang="es-CO" smtClean="0"/>
-              <a:t>2/05/2019</a:t>
+              <a:t>6/06/2019</a:t>
             </a:fld>
             <a:endParaRPr lang="es-CO" dirty="0"/>
           </a:p>
@@ -965,7 +1033,7 @@
           <a:p>
             <a:fld id="{26330FAE-141A-4BFF-887C-E995FE81429D}" type="datetime1">
               <a:rPr lang="es-CO" smtClean="0"/>
-              <a:t>2/05/2019</a:t>
+              <a:t>6/06/2019</a:t>
             </a:fld>
             <a:endParaRPr lang="es-CO" dirty="0"/>
           </a:p>
@@ -1159,7 +1227,7 @@
           <a:p>
             <a:fld id="{26330FAE-141A-4BFF-887C-E995FE81429D}" type="datetime1">
               <a:rPr lang="es-CO" smtClean="0"/>
-              <a:t>2/05/2019</a:t>
+              <a:t>6/06/2019</a:t>
             </a:fld>
             <a:endParaRPr lang="es-CO" dirty="0"/>
           </a:p>
@@ -1422,7 +1490,7 @@
           <a:p>
             <a:fld id="{26330FAE-141A-4BFF-887C-E995FE81429D}" type="datetime1">
               <a:rPr lang="es-CO" smtClean="0"/>
-              <a:t>2/05/2019</a:t>
+              <a:t>6/06/2019</a:t>
             </a:fld>
             <a:endParaRPr lang="es-CO" dirty="0"/>
           </a:p>
@@ -1848,7 +1916,7 @@
           <a:p>
             <a:fld id="{26330FAE-141A-4BFF-887C-E995FE81429D}" type="datetime1">
               <a:rPr lang="es-CO" smtClean="0"/>
-              <a:t>2/05/2019</a:t>
+              <a:t>6/06/2019</a:t>
             </a:fld>
             <a:endParaRPr lang="es-CO" dirty="0"/>
           </a:p>
@@ -2387,7 +2455,7 @@
           <a:p>
             <a:fld id="{26330FAE-141A-4BFF-887C-E995FE81429D}" type="datetime1">
               <a:rPr lang="es-CO" smtClean="0"/>
-              <a:t>2/05/2019</a:t>
+              <a:t>6/06/2019</a:t>
             </a:fld>
             <a:endParaRPr lang="es-CO" dirty="0"/>
           </a:p>
@@ -3253,7 +3321,7 @@
           <a:p>
             <a:fld id="{26330FAE-141A-4BFF-887C-E995FE81429D}" type="datetime1">
               <a:rPr lang="es-CO" smtClean="0"/>
-              <a:t>2/05/2019</a:t>
+              <a:t>6/06/2019</a:t>
             </a:fld>
             <a:endParaRPr lang="es-CO" dirty="0"/>
           </a:p>
@@ -3425,7 +3493,7 @@
           <a:p>
             <a:fld id="{B71667AA-A0F9-4CEA-9C89-7CC4B96EFBBB}" type="datetime1">
               <a:rPr lang="es-CO" smtClean="0"/>
-              <a:t>2/05/2019</a:t>
+              <a:t>6/06/2019</a:t>
             </a:fld>
             <a:endParaRPr lang="es-CO" dirty="0"/>
           </a:p>
@@ -3610,7 +3678,7 @@
           <a:p>
             <a:fld id="{74C80D9D-8886-438C-B3AC-C0C6499B7D8C}" type="datetime1">
               <a:rPr lang="es-CO" smtClean="0"/>
-              <a:t>2/05/2019</a:t>
+              <a:t>6/06/2019</a:t>
             </a:fld>
             <a:endParaRPr lang="es-CO" dirty="0"/>
           </a:p>
@@ -3781,7 +3849,7 @@
           <a:p>
             <a:fld id="{583CF400-3EDD-4B93-B1D4-3B4E907EC021}" type="datetime1">
               <a:rPr lang="es-CO" smtClean="0"/>
-              <a:t>2/05/2019</a:t>
+              <a:t>6/06/2019</a:t>
             </a:fld>
             <a:endParaRPr lang="es-CO" dirty="0"/>
           </a:p>
@@ -4026,7 +4094,7 @@
           <a:p>
             <a:fld id="{034E3B09-D336-4CF7-91D4-B6E9115CB8A4}" type="datetime1">
               <a:rPr lang="es-CO" smtClean="0"/>
-              <a:t>2/05/2019</a:t>
+              <a:t>6/06/2019</a:t>
             </a:fld>
             <a:endParaRPr lang="es-CO" dirty="0"/>
           </a:p>
@@ -4263,7 +4331,7 @@
           <a:p>
             <a:fld id="{9D65138E-880C-4059-8E27-FF876D100CAF}" type="datetime1">
               <a:rPr lang="es-CO" smtClean="0"/>
-              <a:t>2/05/2019</a:t>
+              <a:t>6/06/2019</a:t>
             </a:fld>
             <a:endParaRPr lang="es-CO" dirty="0"/>
           </a:p>
@@ -4730,7 +4798,7 @@
           <a:p>
             <a:fld id="{26330FAE-141A-4BFF-887C-E995FE81429D}" type="datetime1">
               <a:rPr lang="es-CO" smtClean="0"/>
-              <a:t>2/05/2019</a:t>
+              <a:t>6/06/2019</a:t>
             </a:fld>
             <a:endParaRPr lang="es-CO" dirty="0"/>
           </a:p>
@@ -4850,7 +4918,7 @@
           <a:p>
             <a:fld id="{26330FAE-141A-4BFF-887C-E995FE81429D}" type="datetime1">
               <a:rPr lang="es-CO" smtClean="0"/>
-              <a:t>2/05/2019</a:t>
+              <a:t>6/06/2019</a:t>
             </a:fld>
             <a:endParaRPr lang="es-CO" dirty="0"/>
           </a:p>
@@ -4947,7 +5015,7 @@
           <a:p>
             <a:fld id="{8DA94E56-31C3-428C-906D-B3E9E4B8DBAD}" type="datetime1">
               <a:rPr lang="es-CO" smtClean="0"/>
-              <a:t>2/05/2019</a:t>
+              <a:t>6/06/2019</a:t>
             </a:fld>
             <a:endParaRPr lang="es-CO" dirty="0"/>
           </a:p>
@@ -5203,7 +5271,7 @@
           <a:p>
             <a:fld id="{9407FB20-0F53-4606-9515-75A418ADA495}" type="datetime1">
               <a:rPr lang="es-CO" smtClean="0"/>
-              <a:t>2/05/2019</a:t>
+              <a:t>6/06/2019</a:t>
             </a:fld>
             <a:endParaRPr lang="es-CO" dirty="0"/>
           </a:p>
@@ -5504,7 +5572,7 @@
           <a:p>
             <a:fld id="{1A7B92AE-B2EB-4F10-B119-B863F70790DC}" type="datetime1">
               <a:rPr lang="es-CO" smtClean="0"/>
-              <a:t>2/05/2019</a:t>
+              <a:t>6/06/2019</a:t>
             </a:fld>
             <a:endParaRPr lang="es-CO" dirty="0"/>
           </a:p>
@@ -5739,7 +5807,7 @@
           <a:p>
             <a:fld id="{26330FAE-141A-4BFF-887C-E995FE81429D}" type="datetime1">
               <a:rPr lang="es-CO" smtClean="0"/>
-              <a:t>2/05/2019</a:t>
+              <a:t>6/06/2019</a:t>
             </a:fld>
             <a:endParaRPr lang="es-CO" dirty="0"/>
           </a:p>
@@ -6613,7 +6681,7 @@
               </a:spcAft>
               <a:buNone/>
             </a:pPr>
-            <a:endParaRPr lang="en-US" sz="1700" b="1">
+            <a:endParaRPr lang="en-US" sz="1700" b="1" dirty="0">
               <a:ln>
                 <a:solidFill>
                   <a:schemeClr val="bg1">
@@ -6652,7 +6720,7 @@
               <a:buNone/>
             </a:pPr>
             <a:r>
-              <a:rPr lang="en-US" sz="1700" b="1">
+              <a:rPr lang="en-US" sz="1700" b="1" dirty="0">
                 <a:ln>
                   <a:solidFill>
                     <a:schemeClr val="bg1">
@@ -6693,7 +6761,7 @@
               <a:buNone/>
             </a:pPr>
             <a:r>
-              <a:rPr lang="en-US" sz="1700" b="1">
+              <a:rPr lang="en-US" sz="1700" b="1" dirty="0">
                 <a:ln>
                   <a:solidFill>
                     <a:schemeClr val="bg1">
@@ -6733,7 +6801,7 @@
               </a:spcAft>
               <a:buNone/>
             </a:pPr>
-            <a:endParaRPr lang="en-US" sz="1700" b="1">
+            <a:endParaRPr lang="en-US" sz="1700" b="1" dirty="0">
               <a:ln>
                 <a:solidFill>
                   <a:schemeClr val="bg1">
@@ -6809,13 +6877,13 @@
   <p:clrMapOvr>
     <a:masterClrMapping/>
   </p:clrMapOvr>
-  <mc:AlternateContent xmlns:mc="http://schemas.openxmlformats.org/markup-compatibility/2006">
-    <mc:Choice xmlns:p15="http://schemas.microsoft.com/office/powerpoint/2012/main" Requires="p15">
+  <mc:AlternateContent xmlns:mc="http://schemas.openxmlformats.org/markup-compatibility/2006" xmlns:p15="http://schemas.microsoft.com/office/powerpoint/2012/main">
+    <mc:Choice Requires="p15">
       <p:transition xmlns:p14="http://schemas.microsoft.com/office/powerpoint/2010/main" spd="slow" p14:dur="6000">
         <p15:prstTrans prst="curtains"/>
       </p:transition>
     </mc:Choice>
-    <mc:Fallback>
+    <mc:Fallback xmlns="">
       <p:transition spd="slow">
         <p:fade/>
       </p:transition>
@@ -6850,7 +6918,7 @@
         <p:spPr>
           <a:xfrm>
             <a:off x="971600" y="620688"/>
-            <a:ext cx="7200800" cy="2585323"/>
+            <a:ext cx="7200800" cy="1477328"/>
           </a:xfrm>
           <a:prstGeom prst="rect">
             <a:avLst/>
@@ -6868,12 +6936,16 @@
               </a:spcBef>
             </a:pPr>
             <a:r>
-              <a:rPr lang="es-CO" dirty="0">
+              <a:rPr lang="es-ES" dirty="0">
                 <a:latin typeface="+mj-lt"/>
                 <a:cs typeface="Arial" charset="0"/>
               </a:rPr>
-              <a:t>La seguridad informática, es el área de la informática que se enfoca en la protección de la infraestructura computacional y todo lo relacionado con esta (incluyendo la información contenida). Para ello existen una serie de estándares, protocolos, métodos, reglas, herramientas y leyes concebidas para minimizar los posibles riesgos a la infraestructura o a la información. La seguridad informática comprende software, bases de datos, metadatos, archivos y todo lo que la organización valore (activo) y signifique un riesgo si ésta llega a manos de otras personas. Este tipo de información se conoce como información privilegiada o confidencial.</a:t>
-            </a:r>
+              <a:t>La seguridad informática es el conjunto de las normas ,herramientas y procedimientos que garantiza la  integridad y la confidencialidad de la información, debido a que diariamente mas personas mal intencionadas intenta acceder a nuestra información privada desde ordenadores, teléfonos, redes sociales ... etc.</a:t>
+            </a:r>
+            <a:endParaRPr lang="es-CO" dirty="0">
+              <a:latin typeface="+mj-lt"/>
+              <a:cs typeface="Arial" charset="0"/>
+            </a:endParaRPr>
           </a:p>
         </p:txBody>
       </p:sp>
@@ -6905,14 +6977,60 @@
         </p:blipFill>
         <p:spPr>
           <a:xfrm>
-            <a:off x="2411760" y="3660160"/>
-            <a:ext cx="3901440" cy="2438400"/>
+            <a:off x="5580112" y="4653136"/>
+            <a:ext cx="3340800" cy="2088000"/>
           </a:xfrm>
           <a:prstGeom prst="rect">
             <a:avLst/>
           </a:prstGeom>
         </p:spPr>
       </p:pic>
+      <p:sp>
+        <p:nvSpPr>
+          <p:cNvPr id="5" name="Rectángulo 4">
+            <a:extLst>
+              <a:ext uri="{FF2B5EF4-FFF2-40B4-BE49-F238E27FC236}">
+                <a16:creationId xmlns:a16="http://schemas.microsoft.com/office/drawing/2014/main" id="{50D92A25-BA2C-40CE-A524-F98059E627CC}"/>
+              </a:ext>
+            </a:extLst>
+          </p:cNvPr>
+          <p:cNvSpPr/>
+          <p:nvPr/>
+        </p:nvSpPr>
+        <p:spPr>
+          <a:xfrm>
+            <a:off x="971600" y="2312876"/>
+            <a:ext cx="7200800" cy="2585323"/>
+          </a:xfrm>
+          <a:prstGeom prst="rect">
+            <a:avLst/>
+          </a:prstGeom>
+        </p:spPr>
+        <p:txBody>
+          <a:bodyPr wrap="square">
+            <a:spAutoFit/>
+          </a:bodyPr>
+          <a:lstStyle/>
+          <a:p>
+            <a:pPr algn="just">
+              <a:spcBef>
+                <a:spcPct val="20000"/>
+              </a:spcBef>
+            </a:pPr>
+            <a:r>
+              <a:rPr lang="es-ES" dirty="0">
+                <a:latin typeface="+mj-lt"/>
+                <a:cs typeface="Arial" charset="0"/>
+              </a:rPr>
+              <a:t>como anteriormente lo nombramos un problema muy grande que se vive es el robo de información confiable y sensible , debido a que la información que publicamos en nuestras redes sociales , la información que los bancos y empresas tienen puede perjudicarnos por esto estas empresas buscan evaluaciones sus protocolos de seguridad informática y toda la documentación y conocimientos de accesos no autorizados , modificación de información sensible , destrucción de información y daños que se puedan causar a la información que maneja dicha empresa.</a:t>
+            </a:r>
+            <a:endParaRPr lang="es-CO" dirty="0">
+              <a:latin typeface="+mj-lt"/>
+              <a:cs typeface="Arial" charset="0"/>
+            </a:endParaRPr>
+          </a:p>
+        </p:txBody>
+      </p:sp>
     </p:spTree>
     <p:extLst>
       <p:ext uri="{BB962C8B-B14F-4D97-AF65-F5344CB8AC3E}">
@@ -6923,13 +7041,13 @@
   <p:clrMapOvr>
     <a:masterClrMapping/>
   </p:clrMapOvr>
-  <mc:AlternateContent xmlns:mc="http://schemas.openxmlformats.org/markup-compatibility/2006">
-    <mc:Choice xmlns:p14="http://schemas.microsoft.com/office/powerpoint/2010/main" Requires="p14">
+  <mc:AlternateContent xmlns:mc="http://schemas.openxmlformats.org/markup-compatibility/2006" xmlns:p14="http://schemas.microsoft.com/office/powerpoint/2010/main">
+    <mc:Choice Requires="p14">
       <p:transition spd="slow" p14:dur="1200">
         <p:dissolve/>
       </p:transition>
     </mc:Choice>
-    <mc:Fallback>
+    <mc:Fallback xmlns="">
       <p:transition spd="slow">
         <p:dissolve/>
       </p:transition>
@@ -7135,7 +7253,7 @@
         <p:spPr>
           <a:xfrm>
             <a:off x="1043608" y="1196752"/>
-            <a:ext cx="6678488" cy="2031325"/>
+            <a:ext cx="6678488" cy="1477328"/>
           </a:xfrm>
           <a:prstGeom prst="rect">
             <a:avLst/>
@@ -7149,9 +7267,10 @@
           <a:p>
             <a:pPr algn="just"/>
             <a:r>
-              <a:rPr lang="es-CO" dirty="0"/>
-              <a:t>La seguridad informática es la disciplina que se ocupa de diseñar las normas, procedimientos, métodos y técnicas destinados a conseguir un sistema de información seguro y confiable. Donde se a convertido en un área clave en el mundo interconectado de hoy, día a día, en los principales medios de comunicación se repiten los ataques de virus, hackers y otros peligros tecnológicos. Desde el ámbito corporativo y gubernamental</a:t>
-            </a:r>
+              <a:rPr lang="es-ES" dirty="0"/>
+              <a:t>La seguridad informática tiene como objetivo dar a conocer conceptos básicos, investigar y evolucionar en la confiabilidad de la información mitigando los factores de riesgo e implementando mecanismos informáticos, para evitar perdida de información sensible.</a:t>
+            </a:r>
+            <a:endParaRPr lang="es-CO" dirty="0"/>
           </a:p>
         </p:txBody>
       </p:sp>
